--- a/04.hosting_dominio.pptx
+++ b/04.hosting_dominio.pptx
@@ -426,6 +426,30 @@
       </pc:sldChg>
     </pc:docChg>
   </pc:docChgLst>
+  <pc:docChgLst>
+    <pc:chgData name="NORBEY DANILO MUÑOZ CAÑON" userId="29f64d73-8b12-4c53-a9f3-1c223397a229" providerId="ADAL" clId="{7F2B97EC-464E-4076-B49B-166BFB79FEDC}"/>
+    <pc:docChg chg="modSld">
+      <pc:chgData name="NORBEY DANILO MUÑOZ CAÑON" userId="29f64d73-8b12-4c53-a9f3-1c223397a229" providerId="ADAL" clId="{7F2B97EC-464E-4076-B49B-166BFB79FEDC}" dt="2023-08-29T05:14:49.537" v="1" actId="20577"/>
+      <pc:docMkLst>
+        <pc:docMk/>
+      </pc:docMkLst>
+      <pc:sldChg chg="modSp mod">
+        <pc:chgData name="NORBEY DANILO MUÑOZ CAÑON" userId="29f64d73-8b12-4c53-a9f3-1c223397a229" providerId="ADAL" clId="{7F2B97EC-464E-4076-B49B-166BFB79FEDC}" dt="2023-08-29T05:14:49.537" v="1" actId="20577"/>
+        <pc:sldMkLst>
+          <pc:docMk/>
+          <pc:sldMk cId="0" sldId="294"/>
+        </pc:sldMkLst>
+        <pc:spChg chg="mod">
+          <ac:chgData name="NORBEY DANILO MUÑOZ CAÑON" userId="29f64d73-8b12-4c53-a9f3-1c223397a229" providerId="ADAL" clId="{7F2B97EC-464E-4076-B49B-166BFB79FEDC}" dt="2023-08-29T05:14:49.537" v="1" actId="20577"/>
+          <ac:spMkLst>
+            <pc:docMk/>
+            <pc:sldMk cId="0" sldId="294"/>
+            <ac:spMk id="98" creationId="{00000000-0000-0000-0000-000000000000}"/>
+          </ac:spMkLst>
+        </pc:spChg>
+      </pc:sldChg>
+    </pc:docChg>
+  </pc:docChgLst>
 </pc:chgInfo>
 </file>
 
@@ -511,7 +535,7 @@
           <a:p>
             <a:fld id="{1C759D72-DB79-450A-88B7-9BA684567184}" type="datetimeFigureOut">
               <a:rPr lang="es-CO" smtClean="0"/>
-              <a:t>28/08/2023</a:t>
+              <a:t>29/08/2023</a:t>
             </a:fld>
             <a:endParaRPr lang="es-CO"/>
           </a:p>
@@ -2200,7 +2224,7 @@
           <a:p>
             <a:fld id="{1D8BD707-D9CF-40AE-B4C6-C98DA3205C09}" type="datetimeFigureOut">
               <a:rPr lang="en-US"/>
-              <a:t>8/28/2023</a:t>
+              <a:t>8/29/2023</a:t>
             </a:fld>
             <a:endParaRPr lang="en-US"/>
           </a:p>
@@ -2377,7 +2401,7 @@
           <a:p>
             <a:fld id="{1D8BD707-D9CF-40AE-B4C6-C98DA3205C09}" type="datetimeFigureOut">
               <a:rPr lang="en-US"/>
-              <a:t>8/28/2023</a:t>
+              <a:t>8/29/2023</a:t>
             </a:fld>
             <a:endParaRPr lang="en-US"/>
           </a:p>
@@ -2591,7 +2615,7 @@
           <a:p>
             <a:fld id="{1D8BD707-D9CF-40AE-B4C6-C98DA3205C09}" type="datetimeFigureOut">
               <a:rPr lang="en-US"/>
-              <a:t>8/28/2023</a:t>
+              <a:t>8/29/2023</a:t>
             </a:fld>
             <a:endParaRPr lang="en-US"/>
           </a:p>
@@ -2739,7 +2763,7 @@
           <a:p>
             <a:fld id="{1D8BD707-D9CF-40AE-B4C6-C98DA3205C09}" type="datetimeFigureOut">
               <a:rPr lang="en-US"/>
-              <a:t>8/28/2023</a:t>
+              <a:t>8/29/2023</a:t>
             </a:fld>
             <a:endParaRPr lang="en-US"/>
           </a:p>
@@ -2858,7 +2882,7 @@
           <a:p>
             <a:fld id="{1D8BD707-D9CF-40AE-B4C6-C98DA3205C09}" type="datetimeFigureOut">
               <a:rPr lang="en-US"/>
-              <a:t>8/28/2023</a:t>
+              <a:t>8/29/2023</a:t>
             </a:fld>
             <a:endParaRPr lang="en-US"/>
           </a:p>
@@ -3151,7 +3175,7 @@
           <a:p>
             <a:fld id="{1D8BD707-D9CF-40AE-B4C6-C98DA3205C09}" type="datetimeFigureOut">
               <a:rPr lang="en-US"/>
-              <a:t>8/28/2023</a:t>
+              <a:t>8/29/2023</a:t>
             </a:fld>
             <a:endParaRPr lang="en-US"/>
           </a:p>
@@ -3490,7 +3514,17 @@
                 <a:latin typeface="Arial" panose="020B0604020202020204" pitchFamily="34" charset="0"/>
                 <a:cs typeface="Arial" panose="020B0604020202020204" pitchFamily="34" charset="0"/>
               </a:rPr>
-              <a:t>Hosting y dominios</a:t>
+              <a:t>Hosting </a:t>
+            </a:r>
+            <a:r>
+              <a:rPr lang="es-CO" sz="2400" b="1">
+                <a:solidFill>
+                  <a:srgbClr val="FFFFFF"/>
+                </a:solidFill>
+                <a:latin typeface="Arial" panose="020B0604020202020204" pitchFamily="34" charset="0"/>
+                <a:cs typeface="Arial" panose="020B0604020202020204" pitchFamily="34" charset="0"/>
+              </a:rPr>
+              <a:t>y dominios</a:t>
             </a:r>
             <a:endParaRPr lang="es-CO" sz="1600" dirty="0">
               <a:latin typeface="Arial" panose="020B0604020202020204" pitchFamily="34" charset="0"/>
